--- a/Chemie/KS1_2/Säuren_Basen/3_Titration.pptx
+++ b/Chemie/KS1_2/Säuren_Basen/3_Titration.pptx
@@ -8,6 +8,8 @@
     <p:sldId id="256" r:id="rId2"/>
     <p:sldId id="258" r:id="rId3"/>
     <p:sldId id="257" r:id="rId4"/>
+    <p:sldId id="259" r:id="rId5"/>
+    <p:sldId id="260" r:id="rId6"/>
   </p:sldIdLst>
   <p:sldSz cx="12192000" cy="6858000"/>
   <p:notesSz cx="6858000" cy="9144000"/>
@@ -106,6 +108,11 @@
       </a:defRPr>
     </a:lvl9pPr>
   </p:defaultTextStyle>
+  <p:extLst>
+    <p:ext uri="{EFAFB233-063F-42B5-8137-9DF3F51BA10A}">
+      <p15:sldGuideLst xmlns:p15="http://schemas.microsoft.com/office/powerpoint/2012/main"/>
+    </p:ext>
+  </p:extLst>
 </p:presentation>
 </file>
 
@@ -256,7 +263,7 @@
           <a:p>
             <a:fld id="{5DE17ED9-2F8D-44C6-8FA4-394FF7A00EE9}" type="datetimeFigureOut">
               <a:rPr lang="de-DE" smtClean="0"/>
-              <a:t>12.12.2021</a:t>
+              <a:t>15.12.2021</a:t>
             </a:fld>
             <a:endParaRPr lang="de-DE"/>
           </a:p>
@@ -454,7 +461,7 @@
           <a:p>
             <a:fld id="{5DE17ED9-2F8D-44C6-8FA4-394FF7A00EE9}" type="datetimeFigureOut">
               <a:rPr lang="de-DE" smtClean="0"/>
-              <a:t>12.12.2021</a:t>
+              <a:t>15.12.2021</a:t>
             </a:fld>
             <a:endParaRPr lang="de-DE"/>
           </a:p>
@@ -662,7 +669,7 @@
           <a:p>
             <a:fld id="{5DE17ED9-2F8D-44C6-8FA4-394FF7A00EE9}" type="datetimeFigureOut">
               <a:rPr lang="de-DE" smtClean="0"/>
-              <a:t>12.12.2021</a:t>
+              <a:t>15.12.2021</a:t>
             </a:fld>
             <a:endParaRPr lang="de-DE"/>
           </a:p>
@@ -860,7 +867,7 @@
           <a:p>
             <a:fld id="{5DE17ED9-2F8D-44C6-8FA4-394FF7A00EE9}" type="datetimeFigureOut">
               <a:rPr lang="de-DE" smtClean="0"/>
-              <a:t>12.12.2021</a:t>
+              <a:t>15.12.2021</a:t>
             </a:fld>
             <a:endParaRPr lang="de-DE"/>
           </a:p>
@@ -1135,7 +1142,7 @@
           <a:p>
             <a:fld id="{5DE17ED9-2F8D-44C6-8FA4-394FF7A00EE9}" type="datetimeFigureOut">
               <a:rPr lang="de-DE" smtClean="0"/>
-              <a:t>12.12.2021</a:t>
+              <a:t>15.12.2021</a:t>
             </a:fld>
             <a:endParaRPr lang="de-DE"/>
           </a:p>
@@ -1400,7 +1407,7 @@
           <a:p>
             <a:fld id="{5DE17ED9-2F8D-44C6-8FA4-394FF7A00EE9}" type="datetimeFigureOut">
               <a:rPr lang="de-DE" smtClean="0"/>
-              <a:t>12.12.2021</a:t>
+              <a:t>15.12.2021</a:t>
             </a:fld>
             <a:endParaRPr lang="de-DE"/>
           </a:p>
@@ -1812,7 +1819,7 @@
           <a:p>
             <a:fld id="{5DE17ED9-2F8D-44C6-8FA4-394FF7A00EE9}" type="datetimeFigureOut">
               <a:rPr lang="de-DE" smtClean="0"/>
-              <a:t>12.12.2021</a:t>
+              <a:t>15.12.2021</a:t>
             </a:fld>
             <a:endParaRPr lang="de-DE"/>
           </a:p>
@@ -1953,7 +1960,7 @@
           <a:p>
             <a:fld id="{5DE17ED9-2F8D-44C6-8FA4-394FF7A00EE9}" type="datetimeFigureOut">
               <a:rPr lang="de-DE" smtClean="0"/>
-              <a:t>12.12.2021</a:t>
+              <a:t>15.12.2021</a:t>
             </a:fld>
             <a:endParaRPr lang="de-DE"/>
           </a:p>
@@ -2066,7 +2073,7 @@
           <a:p>
             <a:fld id="{5DE17ED9-2F8D-44C6-8FA4-394FF7A00EE9}" type="datetimeFigureOut">
               <a:rPr lang="de-DE" smtClean="0"/>
-              <a:t>12.12.2021</a:t>
+              <a:t>15.12.2021</a:t>
             </a:fld>
             <a:endParaRPr lang="de-DE"/>
           </a:p>
@@ -2377,7 +2384,7 @@
           <a:p>
             <a:fld id="{5DE17ED9-2F8D-44C6-8FA4-394FF7A00EE9}" type="datetimeFigureOut">
               <a:rPr lang="de-DE" smtClean="0"/>
-              <a:t>12.12.2021</a:t>
+              <a:t>15.12.2021</a:t>
             </a:fld>
             <a:endParaRPr lang="de-DE"/>
           </a:p>
@@ -2665,7 +2672,7 @@
           <a:p>
             <a:fld id="{5DE17ED9-2F8D-44C6-8FA4-394FF7A00EE9}" type="datetimeFigureOut">
               <a:rPr lang="de-DE" smtClean="0"/>
-              <a:t>12.12.2021</a:t>
+              <a:t>15.12.2021</a:t>
             </a:fld>
             <a:endParaRPr lang="de-DE"/>
           </a:p>
@@ -2906,7 +2913,7 @@
           <a:p>
             <a:fld id="{5DE17ED9-2F8D-44C6-8FA4-394FF7A00EE9}" type="datetimeFigureOut">
               <a:rPr lang="de-DE" smtClean="0"/>
-              <a:t>12.12.2021</a:t>
+              <a:t>15.12.2021</a:t>
             </a:fld>
             <a:endParaRPr lang="de-DE"/>
           </a:p>
@@ -3655,7 +3662,7 @@
             </a:pPr>
             <a:r>
               <a:rPr lang="de-DE" sz="2400" dirty="0"/>
-              <a:t>Die Säure unbekannter Konzentration (Probelösung) wird mit einer Base (Maßlösung) bekannter Konzentration tropfenweise neutralisiert. (Oder umgekehrt)</a:t>
+              <a:t>Die Säure unbekannter Konzentration (Probelösung) wird mit Natronlauge bekannter Konzentration (Maßlösung) tropfenweise neutralisiert. </a:t>
             </a:r>
           </a:p>
           <a:p>
@@ -4091,7 +4098,7 @@
         </p:nvSpPr>
         <p:spPr>
           <a:xfrm>
-            <a:off x="949232" y="4946473"/>
+            <a:off x="1045024" y="4734011"/>
             <a:ext cx="10276117" cy="1354217"/>
           </a:xfrm>
           <a:prstGeom prst="rect">
@@ -4174,7 +4181,7 @@
         </p:nvSpPr>
         <p:spPr>
           <a:xfrm>
-            <a:off x="4410891" y="5806803"/>
+            <a:off x="4421775" y="5618773"/>
             <a:ext cx="1467394" cy="531223"/>
           </a:xfrm>
           <a:prstGeom prst="rect">
@@ -4229,7 +4236,7 @@
         </p:nvSpPr>
         <p:spPr>
           <a:xfrm>
-            <a:off x="6163494" y="5801602"/>
+            <a:off x="6183083" y="5618773"/>
             <a:ext cx="1547946" cy="531223"/>
           </a:xfrm>
           <a:prstGeom prst="rect">
@@ -4844,7 +4851,7 @@
         <p:spPr>
           <a:xfrm>
             <a:off x="234491" y="139054"/>
-            <a:ext cx="3582907" cy="723275"/>
+            <a:ext cx="3582907" cy="754053"/>
           </a:xfrm>
           <a:prstGeom prst="rect">
             <a:avLst/>
@@ -4863,8 +4870,8 @@
               </a:spcAft>
             </a:pPr>
             <a:r>
-              <a:rPr lang="de-DE" b="1" dirty="0"/>
-              <a:t>Vorgehensweise</a:t>
+              <a:rPr lang="de-DE" sz="2000" b="1" dirty="0"/>
+              <a:t>Vorgehensweise: </a:t>
             </a:r>
           </a:p>
           <a:p>
@@ -5791,8 +5798,8 @@
         </p:nvSpPr>
         <p:spPr bwMode="auto">
           <a:xfrm>
-            <a:off x="8205789" y="1621029"/>
-            <a:ext cx="1976898" cy="457200"/>
+            <a:off x="8205788" y="1621029"/>
+            <a:ext cx="2264131" cy="457200"/>
           </a:xfrm>
           <a:prstGeom prst="rect">
             <a:avLst/>
@@ -5841,7 +5848,7 @@
               <a:tabLst/>
             </a:pPr>
             <a:r>
-              <a:rPr kumimoji="0" lang="de-DE" altLang="de-DE" sz="1400" b="0" i="0" u="none" strike="noStrike" cap="none" normalizeH="0" baseline="0">
+              <a:rPr kumimoji="0" lang="de-DE" altLang="de-DE" sz="1400" b="0" i="0" u="none" strike="noStrike" cap="none" normalizeH="0" baseline="0" dirty="0">
                 <a:ln>
                   <a:noFill/>
                 </a:ln>
@@ -5853,9 +5860,9 @@
                 <a:ea typeface="Times New Roman" panose="02020603050405020304" pitchFamily="18" charset="0"/>
                 <a:cs typeface="Arial" panose="020B0604020202020204" pitchFamily="34" charset="0"/>
               </a:rPr>
-              <a:t>Bürette mit Maßlösung</a:t>
+              <a:t>Bürette mit Maßlösung (hier: Natronlauge bekannter Konzentration)</a:t>
             </a:r>
-            <a:endParaRPr kumimoji="0" lang="de-DE" altLang="de-DE" sz="2000" b="0" i="0" u="none" strike="noStrike" cap="none" normalizeH="0" baseline="0">
+            <a:endParaRPr kumimoji="0" lang="de-DE" altLang="de-DE" sz="2000" b="0" i="0" u="none" strike="noStrike" cap="none" normalizeH="0" baseline="0" dirty="0">
               <a:ln>
                 <a:noFill/>
               </a:ln>
@@ -5935,8 +5942,8 @@
         </p:nvSpPr>
         <p:spPr bwMode="auto">
           <a:xfrm>
-            <a:off x="343403" y="6038655"/>
-            <a:ext cx="4054160" cy="685800"/>
+            <a:off x="343402" y="6038655"/>
+            <a:ext cx="4363587" cy="685800"/>
           </a:xfrm>
           <a:prstGeom prst="rect">
             <a:avLst/>
@@ -6027,7 +6034,7 @@
                 <a:ea typeface="Times New Roman" panose="02020603050405020304" pitchFamily="18" charset="0"/>
                 <a:cs typeface="Arial" panose="020B0604020202020204" pitchFamily="34" charset="0"/>
               </a:rPr>
-              <a:t>Genau bestimmtes Volumen der zu untersuchenden Essiglösung (</a:t>
+              <a:t>Genau bestimmtes Volumen der zu untersuchenden Salzsäurelösung (</a:t>
             </a:r>
             <a:r>
               <a:rPr kumimoji="0" lang="de-DE" altLang="de-DE" sz="1400" b="1" i="0" u="none" strike="noStrike" cap="none" normalizeH="0" baseline="0" dirty="0">
@@ -16171,6 +16178,2069 @@
 </p:sld>
 </file>
 
+<file path=ppt/slides/slide4.xml><?xml version="1.0" encoding="utf-8"?>
+<p:sld xmlns:a="http://schemas.openxmlformats.org/drawingml/2006/main" xmlns:r="http://schemas.openxmlformats.org/officeDocument/2006/relationships" xmlns:p="http://schemas.openxmlformats.org/presentationml/2006/main">
+  <p:cSld>
+    <p:spTree>
+      <p:nvGrpSpPr>
+        <p:cNvPr id="1" name=""/>
+        <p:cNvGrpSpPr/>
+        <p:nvPr/>
+      </p:nvGrpSpPr>
+      <p:grpSpPr>
+        <a:xfrm>
+          <a:off x="0" y="0"/>
+          <a:ext cx="0" cy="0"/>
+          <a:chOff x="0" y="0"/>
+          <a:chExt cx="0" cy="0"/>
+        </a:xfrm>
+      </p:grpSpPr>
+      <p:sp>
+        <p:nvSpPr>
+          <p:cNvPr id="3" name="Textfeld 2">
+            <a:extLst>
+              <a:ext uri="{FF2B5EF4-FFF2-40B4-BE49-F238E27FC236}">
+                <a16:creationId xmlns:a16="http://schemas.microsoft.com/office/drawing/2014/main" id="{43DC8ED9-F237-430A-8BA7-20EA2FD5A015}"/>
+              </a:ext>
+            </a:extLst>
+          </p:cNvPr>
+          <p:cNvSpPr txBox="1"/>
+          <p:nvPr/>
+        </p:nvSpPr>
+        <p:spPr>
+          <a:xfrm>
+            <a:off x="627017" y="1284523"/>
+            <a:ext cx="10049692" cy="3277820"/>
+          </a:xfrm>
+          <a:prstGeom prst="rect">
+            <a:avLst/>
+          </a:prstGeom>
+          <a:noFill/>
+        </p:spPr>
+        <p:txBody>
+          <a:bodyPr wrap="square">
+            <a:spAutoFit/>
+          </a:bodyPr>
+          <a:lstStyle/>
+          <a:p>
+            <a:pPr marL="342900" lvl="0" indent="-342900">
+              <a:spcAft>
+                <a:spcPts val="600"/>
+              </a:spcAft>
+              <a:buFont typeface="+mj-lt"/>
+              <a:buAutoNum type="arabicPeriod"/>
+              <a:tabLst>
+                <a:tab pos="457200" algn="l"/>
+              </a:tabLst>
+            </a:pPr>
+            <a:r>
+              <a:rPr lang="de-DE" sz="2400" dirty="0">
+                <a:effectLst/>
+                <a:ea typeface="Times New Roman" panose="02020603050405020304" pitchFamily="18" charset="0"/>
+              </a:rPr>
+              <a:t>Ein bestimmtes Volumen der zu untersuchenden Lösung wird mit einer Pipette und einem Rührfisch in einen Erlenmeyerkolben gegeben.</a:t>
+            </a:r>
+            <a:endParaRPr lang="de-DE" sz="2000" dirty="0">
+              <a:effectLst/>
+              <a:ea typeface="Times New Roman" panose="02020603050405020304" pitchFamily="18" charset="0"/>
+            </a:endParaRPr>
+          </a:p>
+          <a:p>
+            <a:pPr marL="342900" lvl="0" indent="-342900">
+              <a:spcAft>
+                <a:spcPts val="600"/>
+              </a:spcAft>
+              <a:buFont typeface="+mj-lt"/>
+              <a:buAutoNum type="arabicPeriod"/>
+              <a:tabLst>
+                <a:tab pos="457200" algn="l"/>
+              </a:tabLst>
+            </a:pPr>
+            <a:r>
+              <a:rPr lang="de-DE" sz="2400" dirty="0">
+                <a:effectLst/>
+                <a:ea typeface="Times New Roman" panose="02020603050405020304" pitchFamily="18" charset="0"/>
+              </a:rPr>
+              <a:t>Der Probe fügt man einige (wenige) Tropfen eines geeigneten Säure-Base-Indikators zu.</a:t>
+            </a:r>
+            <a:endParaRPr lang="de-DE" sz="2000" dirty="0">
+              <a:effectLst/>
+              <a:ea typeface="Times New Roman" panose="02020603050405020304" pitchFamily="18" charset="0"/>
+            </a:endParaRPr>
+          </a:p>
+          <a:p>
+            <a:pPr marL="342900" lvl="0" indent="-342900">
+              <a:spcAft>
+                <a:spcPts val="600"/>
+              </a:spcAft>
+              <a:buFont typeface="+mj-lt"/>
+              <a:buAutoNum type="arabicPeriod"/>
+              <a:tabLst>
+                <a:tab pos="457200" algn="l"/>
+              </a:tabLst>
+            </a:pPr>
+            <a:r>
+              <a:rPr lang="de-DE" sz="2400" dirty="0">
+                <a:effectLst/>
+                <a:ea typeface="Times New Roman" panose="02020603050405020304" pitchFamily="18" charset="0"/>
+              </a:rPr>
+              <a:t>Aus einer Bürette lässt man Maßlösung (mit bekannter Konzentration) unter ständigem Rühren bis zum Farbumschlag des Indikators in die Probelösung tropfen.</a:t>
+            </a:r>
+            <a:endParaRPr lang="de-DE" sz="2000" dirty="0">
+              <a:effectLst/>
+              <a:ea typeface="Times New Roman" panose="02020603050405020304" pitchFamily="18" charset="0"/>
+            </a:endParaRPr>
+          </a:p>
+          <a:p>
+            <a:pPr marL="342900" lvl="0" indent="-342900">
+              <a:spcAft>
+                <a:spcPts val="600"/>
+              </a:spcAft>
+              <a:buFont typeface="+mj-lt"/>
+              <a:buAutoNum type="arabicPeriod"/>
+              <a:tabLst>
+                <a:tab pos="457200" algn="l"/>
+              </a:tabLst>
+            </a:pPr>
+            <a:r>
+              <a:rPr lang="de-DE" sz="2400" dirty="0">
+                <a:effectLst/>
+                <a:ea typeface="Times New Roman" panose="02020603050405020304" pitchFamily="18" charset="0"/>
+              </a:rPr>
+              <a:t>An der Bürette wird der Verbrauch der benötigten Maßlösung abgelesen.</a:t>
+            </a:r>
+            <a:endParaRPr lang="de-DE" sz="2000" dirty="0">
+              <a:effectLst/>
+              <a:ea typeface="Times New Roman" panose="02020603050405020304" pitchFamily="18" charset="0"/>
+            </a:endParaRPr>
+          </a:p>
+        </p:txBody>
+      </p:sp>
+      <p:sp>
+        <p:nvSpPr>
+          <p:cNvPr id="4" name="Textfeld 3">
+            <a:extLst>
+              <a:ext uri="{FF2B5EF4-FFF2-40B4-BE49-F238E27FC236}">
+                <a16:creationId xmlns:a16="http://schemas.microsoft.com/office/drawing/2014/main" id="{D1A215AE-E45D-4AA2-873A-BC921EE7E415}"/>
+              </a:ext>
+            </a:extLst>
+          </p:cNvPr>
+          <p:cNvSpPr txBox="1"/>
+          <p:nvPr/>
+        </p:nvSpPr>
+        <p:spPr>
+          <a:xfrm>
+            <a:off x="627017" y="649635"/>
+            <a:ext cx="8708572" cy="461665"/>
+          </a:xfrm>
+          <a:prstGeom prst="rect">
+            <a:avLst/>
+          </a:prstGeom>
+          <a:noFill/>
+        </p:spPr>
+        <p:txBody>
+          <a:bodyPr wrap="square" rtlCol="0">
+            <a:spAutoFit/>
+          </a:bodyPr>
+          <a:lstStyle/>
+          <a:p>
+            <a:r>
+              <a:rPr lang="de-DE" sz="2400" b="1" dirty="0"/>
+              <a:t>Durchführung einer Titration</a:t>
+            </a:r>
+          </a:p>
+        </p:txBody>
+      </p:sp>
+    </p:spTree>
+    <p:extLst>
+      <p:ext uri="{BB962C8B-B14F-4D97-AF65-F5344CB8AC3E}">
+        <p14:creationId xmlns:p14="http://schemas.microsoft.com/office/powerpoint/2010/main" val="4013585898"/>
+      </p:ext>
+    </p:extLst>
+  </p:cSld>
+  <p:clrMapOvr>
+    <a:masterClrMapping/>
+  </p:clrMapOvr>
+</p:sld>
+</file>
+
+<file path=ppt/slides/slide5.xml><?xml version="1.0" encoding="utf-8"?>
+<p:sld xmlns:a="http://schemas.openxmlformats.org/drawingml/2006/main" xmlns:r="http://schemas.openxmlformats.org/officeDocument/2006/relationships" xmlns:p="http://schemas.openxmlformats.org/presentationml/2006/main">
+  <p:cSld>
+    <p:spTree>
+      <p:nvGrpSpPr>
+        <p:cNvPr id="1" name=""/>
+        <p:cNvGrpSpPr/>
+        <p:nvPr/>
+      </p:nvGrpSpPr>
+      <p:grpSpPr>
+        <a:xfrm>
+          <a:off x="0" y="0"/>
+          <a:ext cx="0" cy="0"/>
+          <a:chOff x="0" y="0"/>
+          <a:chExt cx="0" cy="0"/>
+        </a:xfrm>
+      </p:grpSpPr>
+      <p:sp>
+        <p:nvSpPr>
+          <p:cNvPr id="2" name="Textfeld 1">
+            <a:extLst>
+              <a:ext uri="{FF2B5EF4-FFF2-40B4-BE49-F238E27FC236}">
+                <a16:creationId xmlns:a16="http://schemas.microsoft.com/office/drawing/2014/main" id="{4DFCFA9C-E354-455C-97BB-FAE176BF2B59}"/>
+              </a:ext>
+            </a:extLst>
+          </p:cNvPr>
+          <p:cNvSpPr txBox="1"/>
+          <p:nvPr/>
+        </p:nvSpPr>
+        <p:spPr>
+          <a:xfrm>
+            <a:off x="975360" y="304800"/>
+            <a:ext cx="6897189" cy="400110"/>
+          </a:xfrm>
+          <a:prstGeom prst="rect">
+            <a:avLst/>
+          </a:prstGeom>
+          <a:noFill/>
+        </p:spPr>
+        <p:txBody>
+          <a:bodyPr wrap="square" rtlCol="0">
+            <a:spAutoFit/>
+          </a:bodyPr>
+          <a:lstStyle/>
+          <a:p>
+            <a:r>
+              <a:rPr lang="de-DE" sz="2000" b="1" dirty="0"/>
+              <a:t>Auswertung der Titration:</a:t>
+            </a:r>
+          </a:p>
+        </p:txBody>
+      </p:sp>
+      <p:sp>
+        <p:nvSpPr>
+          <p:cNvPr id="3" name="Textfeld 2">
+            <a:extLst>
+              <a:ext uri="{FF2B5EF4-FFF2-40B4-BE49-F238E27FC236}">
+                <a16:creationId xmlns:a16="http://schemas.microsoft.com/office/drawing/2014/main" id="{3717CDC8-CEF0-4A21-A665-0439FA5FD141}"/>
+              </a:ext>
+            </a:extLst>
+          </p:cNvPr>
+          <p:cNvSpPr txBox="1"/>
+          <p:nvPr/>
+        </p:nvSpPr>
+        <p:spPr>
+          <a:xfrm>
+            <a:off x="975359" y="813469"/>
+            <a:ext cx="10136777" cy="1200329"/>
+          </a:xfrm>
+          <a:prstGeom prst="rect">
+            <a:avLst/>
+          </a:prstGeom>
+          <a:noFill/>
+        </p:spPr>
+        <p:txBody>
+          <a:bodyPr wrap="square" rtlCol="0">
+            <a:spAutoFit/>
+          </a:bodyPr>
+          <a:lstStyle/>
+          <a:p>
+            <a:r>
+              <a:rPr lang="de-DE" u="sng" dirty="0"/>
+              <a:t>Beispiel</a:t>
+            </a:r>
+            <a:r>
+              <a:rPr lang="de-DE" dirty="0"/>
+              <a:t>: </a:t>
+            </a:r>
+            <a:r>
+              <a:rPr lang="de-DE" sz="1800" dirty="0">
+                <a:effectLst/>
+                <a:ea typeface="Times New Roman" panose="02020603050405020304" pitchFamily="18" charset="0"/>
+              </a:rPr>
+              <a:t>50 ml Salzsäurelösung unbekannter Konzentration werden mit Natronlauge (c = 0,1 </a:t>
+            </a:r>
+            <a:r>
+              <a:rPr lang="de-DE" sz="1800" dirty="0" err="1">
+                <a:effectLst/>
+                <a:ea typeface="Times New Roman" panose="02020603050405020304" pitchFamily="18" charset="0"/>
+              </a:rPr>
+              <a:t>mol</a:t>
+            </a:r>
+            <a:r>
+              <a:rPr lang="de-DE" sz="1800" dirty="0">
+                <a:effectLst/>
+                <a:ea typeface="Times New Roman" panose="02020603050405020304" pitchFamily="18" charset="0"/>
+              </a:rPr>
+              <a:t>/l) bis zum Äquivalenzpunkt titriert.  Dabei werden 30 ml Natronlauge verbraucht. Gesucht ist die Konzentration der Salzsäurelösung</a:t>
+            </a:r>
+            <a:endParaRPr lang="de-DE" dirty="0"/>
+          </a:p>
+          <a:p>
+            <a:endParaRPr lang="de-DE" dirty="0"/>
+          </a:p>
+        </p:txBody>
+      </p:sp>
+      <p:sp>
+        <p:nvSpPr>
+          <p:cNvPr id="6" name="Textfeld 5">
+            <a:extLst>
+              <a:ext uri="{FF2B5EF4-FFF2-40B4-BE49-F238E27FC236}">
+                <a16:creationId xmlns:a16="http://schemas.microsoft.com/office/drawing/2014/main" id="{4B17B7EF-F9EF-4859-B636-378921BD3E01}"/>
+              </a:ext>
+            </a:extLst>
+          </p:cNvPr>
+          <p:cNvSpPr txBox="1"/>
+          <p:nvPr/>
+        </p:nvSpPr>
+        <p:spPr>
+          <a:xfrm>
+            <a:off x="975359" y="2058329"/>
+            <a:ext cx="10276117" cy="369332"/>
+          </a:xfrm>
+          <a:prstGeom prst="rect">
+            <a:avLst/>
+          </a:prstGeom>
+          <a:noFill/>
+        </p:spPr>
+        <p:txBody>
+          <a:bodyPr wrap="square" rtlCol="0">
+            <a:spAutoFit/>
+          </a:bodyPr>
+          <a:lstStyle/>
+          <a:p>
+            <a:pPr>
+              <a:spcAft>
+                <a:spcPts val="1200"/>
+              </a:spcAft>
+            </a:pPr>
+            <a:r>
+              <a:rPr lang="de-DE" dirty="0"/>
+              <a:t>Am Äquivalenzpunkt gilt:           n (HCl</a:t>
+            </a:r>
+            <a:r>
+              <a:rPr lang="de-DE" baseline="-25000" dirty="0"/>
+              <a:t>(</a:t>
+            </a:r>
+            <a:r>
+              <a:rPr lang="de-DE" baseline="-25000" dirty="0" err="1"/>
+              <a:t>aq</a:t>
+            </a:r>
+            <a:r>
+              <a:rPr lang="de-DE" baseline="-25000" dirty="0"/>
+              <a:t>)</a:t>
+            </a:r>
+            <a:r>
+              <a:rPr lang="de-DE" dirty="0"/>
+              <a:t>)  =  n(</a:t>
+            </a:r>
+            <a:r>
+              <a:rPr lang="de-DE" dirty="0" err="1"/>
+              <a:t>NaOH</a:t>
+            </a:r>
+            <a:r>
+              <a:rPr lang="de-DE" baseline="-25000" dirty="0"/>
+              <a:t>(</a:t>
+            </a:r>
+            <a:r>
+              <a:rPr lang="de-DE" baseline="-25000" dirty="0" err="1"/>
+              <a:t>aq</a:t>
+            </a:r>
+            <a:r>
+              <a:rPr lang="de-DE" baseline="-25000" dirty="0"/>
+              <a:t>)</a:t>
+            </a:r>
+            <a:r>
+              <a:rPr lang="de-DE" dirty="0"/>
+              <a:t>)</a:t>
+            </a:r>
+          </a:p>
+        </p:txBody>
+      </p:sp>
+      <mc:AlternateContent xmlns:mc="http://schemas.openxmlformats.org/markup-compatibility/2006">
+        <mc:Choice xmlns:a14="http://schemas.microsoft.com/office/drawing/2010/main" Requires="a14">
+          <p:sp>
+            <p:nvSpPr>
+              <p:cNvPr id="10" name="Textfeld 9">
+                <a:extLst>
+                  <a:ext uri="{FF2B5EF4-FFF2-40B4-BE49-F238E27FC236}">
+                    <a16:creationId xmlns:a16="http://schemas.microsoft.com/office/drawing/2014/main" id="{26E2EFFB-FF9E-47AA-9C6D-33425EBCF155}"/>
+                  </a:ext>
+                </a:extLst>
+              </p:cNvPr>
+              <p:cNvSpPr txBox="1"/>
+              <p:nvPr/>
+            </p:nvSpPr>
+            <p:spPr>
+              <a:xfrm>
+                <a:off x="8085911" y="1951537"/>
+                <a:ext cx="1907178" cy="740074"/>
+              </a:xfrm>
+              <a:prstGeom prst="rect">
+                <a:avLst/>
+              </a:prstGeom>
+              <a:noFill/>
+              <a:ln>
+                <a:solidFill>
+                  <a:schemeClr val="bg1">
+                    <a:lumMod val="65000"/>
+                  </a:schemeClr>
+                </a:solidFill>
+              </a:ln>
+            </p:spPr>
+            <p:txBody>
+              <a:bodyPr wrap="square">
+                <a:spAutoFit/>
+              </a:bodyPr>
+              <a:lstStyle/>
+              <a:p>
+                <a:pPr algn="ctr"/>
+                <a:r>
+                  <a:rPr lang="de-DE" sz="1800" dirty="0">
+                    <a:effectLst/>
+                    <a:ea typeface="Times New Roman" panose="02020603050405020304" pitchFamily="18" charset="0"/>
+                  </a:rPr>
+                  <a:t>nach der Formel:</a:t>
+                </a:r>
+              </a:p>
+              <a:p>
+                <a:pPr algn="ctr"/>
+                <a:r>
+                  <a:rPr lang="de-DE" sz="1800" dirty="0">
+                    <a:effectLst/>
+                    <a:ea typeface="Times New Roman" panose="02020603050405020304" pitchFamily="18" charset="0"/>
+                  </a:rPr>
+                  <a:t>c = </a:t>
+                </a:r>
+                <a14:m>
+                  <m:oMath xmlns:m="http://schemas.openxmlformats.org/officeDocument/2006/math">
+                    <m:f>
+                      <m:fPr>
+                        <m:ctrlPr>
+                          <a:rPr lang="de-DE" sz="1800" smtClean="0">
+                            <a:effectLst/>
+                          </a:rPr>
+                        </m:ctrlPr>
+                      </m:fPr>
+                      <m:num>
+                        <m:r>
+                          <m:rPr>
+                            <m:sty m:val="p"/>
+                          </m:rPr>
+                          <a:rPr lang="de-DE" sz="1800" b="0" i="0" smtClean="0">
+                            <a:effectLst/>
+                          </a:rPr>
+                          <m:t>n</m:t>
+                        </m:r>
+                      </m:num>
+                      <m:den>
+                        <m:r>
+                          <m:rPr>
+                            <m:sty m:val="p"/>
+                          </m:rPr>
+                          <a:rPr lang="de-DE" sz="1800" b="0" i="0" smtClean="0">
+                            <a:effectLst/>
+                          </a:rPr>
+                          <m:t>V</m:t>
+                        </m:r>
+                      </m:den>
+                    </m:f>
+                  </m:oMath>
+                </a14:m>
+                <a:r>
+                  <a:rPr lang="de-DE" sz="1800" dirty="0">
+                    <a:effectLst/>
+                    <a:ea typeface="Times New Roman" panose="02020603050405020304" pitchFamily="18" charset="0"/>
+                  </a:rPr>
+                  <a:t>  </a:t>
+                </a:r>
+                <a14:m>
+                  <m:oMath xmlns:m="http://schemas.openxmlformats.org/officeDocument/2006/math">
+                    <m:r>
+                      <a:rPr lang="de-DE" sz="1800" i="1" dirty="0" smtClean="0">
+                        <a:effectLst/>
+                        <a:ea typeface="Cambria Math" panose="02040503050406030204" pitchFamily="18" charset="0"/>
+                      </a:rPr>
+                      <m:t>↔</m:t>
+                    </m:r>
+                  </m:oMath>
+                </a14:m>
+                <a:r>
+                  <a:rPr lang="de-DE" sz="1800" dirty="0">
+                    <a:effectLst/>
+                    <a:ea typeface="Times New Roman" panose="02020603050405020304" pitchFamily="18" charset="0"/>
+                  </a:rPr>
+                  <a:t> n = c · V</a:t>
+                </a:r>
+              </a:p>
+            </p:txBody>
+          </p:sp>
+        </mc:Choice>
+        <mc:Fallback>
+          <p:sp>
+            <p:nvSpPr>
+              <p:cNvPr id="10" name="Textfeld 9">
+                <a:extLst>
+                  <a:ext uri="{FF2B5EF4-FFF2-40B4-BE49-F238E27FC236}">
+                    <a16:creationId xmlns:a16="http://schemas.microsoft.com/office/drawing/2014/main" id="{26E2EFFB-FF9E-47AA-9C6D-33425EBCF155}"/>
+                  </a:ext>
+                </a:extLst>
+              </p:cNvPr>
+              <p:cNvSpPr txBox="1">
+                <a:spLocks noRot="1" noChangeAspect="1" noMove="1" noResize="1" noEditPoints="1" noAdjustHandles="1" noChangeArrowheads="1" noChangeShapeType="1" noTextEdit="1"/>
+              </p:cNvSpPr>
+              <p:nvPr/>
+            </p:nvSpPr>
+            <p:spPr>
+              <a:xfrm>
+                <a:off x="8085911" y="1951537"/>
+                <a:ext cx="1907178" cy="740074"/>
+              </a:xfrm>
+              <a:prstGeom prst="rect">
+                <a:avLst/>
+              </a:prstGeom>
+              <a:blipFill>
+                <a:blip r:embed="rId2"/>
+                <a:stretch>
+                  <a:fillRect t="-3226" b="-2419"/>
+                </a:stretch>
+              </a:blipFill>
+              <a:ln>
+                <a:solidFill>
+                  <a:schemeClr val="bg1">
+                    <a:lumMod val="65000"/>
+                  </a:schemeClr>
+                </a:solidFill>
+              </a:ln>
+            </p:spPr>
+            <p:txBody>
+              <a:bodyPr/>
+              <a:lstStyle/>
+              <a:p>
+                <a:r>
+                  <a:rPr lang="de-DE">
+                    <a:noFill/>
+                  </a:rPr>
+                  <a:t> </a:t>
+                </a:r>
+              </a:p>
+            </p:txBody>
+          </p:sp>
+        </mc:Fallback>
+      </mc:AlternateContent>
+      <p:sp>
+        <p:nvSpPr>
+          <p:cNvPr id="12" name="Textfeld 11">
+            <a:extLst>
+              <a:ext uri="{FF2B5EF4-FFF2-40B4-BE49-F238E27FC236}">
+                <a16:creationId xmlns:a16="http://schemas.microsoft.com/office/drawing/2014/main" id="{5D3C3BBE-1221-411A-B396-B097E3D1F8D6}"/>
+              </a:ext>
+            </a:extLst>
+          </p:cNvPr>
+          <p:cNvSpPr txBox="1"/>
+          <p:nvPr/>
+        </p:nvSpPr>
+        <p:spPr>
+          <a:xfrm>
+            <a:off x="3335383" y="2612316"/>
+            <a:ext cx="4437019" cy="369332"/>
+          </a:xfrm>
+          <a:prstGeom prst="rect">
+            <a:avLst/>
+          </a:prstGeom>
+          <a:noFill/>
+        </p:spPr>
+        <p:txBody>
+          <a:bodyPr wrap="square">
+            <a:spAutoFit/>
+          </a:bodyPr>
+          <a:lstStyle/>
+          <a:p>
+            <a:pPr>
+              <a:spcAft>
+                <a:spcPts val="600"/>
+              </a:spcAft>
+            </a:pPr>
+            <a:r>
+              <a:rPr lang="de-DE" sz="1800" dirty="0">
+                <a:effectLst/>
+                <a:ea typeface="Times New Roman" panose="02020603050405020304" pitchFamily="18" charset="0"/>
+              </a:rPr>
+              <a:t>c(HCl) </a:t>
+            </a:r>
+            <a:r>
+              <a:rPr lang="de-DE" sz="1800" dirty="0">
+                <a:effectLst/>
+                <a:ea typeface="Times New Roman" panose="02020603050405020304" pitchFamily="18" charset="0"/>
+                <a:cs typeface="Arial" panose="020B0604020202020204" pitchFamily="34" charset="0"/>
+                <a:sym typeface="Wingdings" panose="05000000000000000000" pitchFamily="2" charset="2"/>
+              </a:rPr>
+              <a:t></a:t>
+            </a:r>
+            <a:r>
+              <a:rPr lang="de-DE" sz="1800" dirty="0">
+                <a:effectLst/>
+                <a:ea typeface="Times New Roman" panose="02020603050405020304" pitchFamily="18" charset="0"/>
+              </a:rPr>
+              <a:t> V (HCl)  = c(</a:t>
+            </a:r>
+            <a:r>
+              <a:rPr lang="de-DE" sz="1800" dirty="0" err="1">
+                <a:effectLst/>
+                <a:ea typeface="Times New Roman" panose="02020603050405020304" pitchFamily="18" charset="0"/>
+              </a:rPr>
+              <a:t>NaOH</a:t>
+            </a:r>
+            <a:r>
+              <a:rPr lang="de-DE" sz="1800" dirty="0">
+                <a:effectLst/>
+                <a:ea typeface="Times New Roman" panose="02020603050405020304" pitchFamily="18" charset="0"/>
+              </a:rPr>
+              <a:t>) </a:t>
+            </a:r>
+            <a:r>
+              <a:rPr lang="de-DE" sz="1800" dirty="0">
+                <a:effectLst/>
+                <a:ea typeface="Times New Roman" panose="02020603050405020304" pitchFamily="18" charset="0"/>
+                <a:cs typeface="Arial" panose="020B0604020202020204" pitchFamily="34" charset="0"/>
+                <a:sym typeface="Wingdings" panose="05000000000000000000" pitchFamily="2" charset="2"/>
+              </a:rPr>
+              <a:t></a:t>
+            </a:r>
+            <a:r>
+              <a:rPr lang="de-DE" sz="1800" dirty="0">
+                <a:effectLst/>
+                <a:ea typeface="Times New Roman" panose="02020603050405020304" pitchFamily="18" charset="0"/>
+              </a:rPr>
+              <a:t> V (</a:t>
+            </a:r>
+            <a:r>
+              <a:rPr lang="de-DE" sz="1800" dirty="0" err="1">
+                <a:effectLst/>
+                <a:ea typeface="Times New Roman" panose="02020603050405020304" pitchFamily="18" charset="0"/>
+              </a:rPr>
+              <a:t>NaOH</a:t>
+            </a:r>
+            <a:r>
+              <a:rPr lang="de-DE" sz="1800" dirty="0">
+                <a:effectLst/>
+                <a:ea typeface="Times New Roman" panose="02020603050405020304" pitchFamily="18" charset="0"/>
+              </a:rPr>
+              <a:t>)  </a:t>
+            </a:r>
+            <a:endParaRPr lang="de-DE" sz="1600" dirty="0">
+              <a:effectLst/>
+              <a:ea typeface="Times New Roman" panose="02020603050405020304" pitchFamily="18" charset="0"/>
+            </a:endParaRPr>
+          </a:p>
+        </p:txBody>
+      </p:sp>
+      <p:cxnSp>
+        <p:nvCxnSpPr>
+          <p:cNvPr id="14" name="Gerade Verbindung mit Pfeil 13">
+            <a:extLst>
+              <a:ext uri="{FF2B5EF4-FFF2-40B4-BE49-F238E27FC236}">
+                <a16:creationId xmlns:a16="http://schemas.microsoft.com/office/drawing/2014/main" id="{8B0B17DD-8716-4DB9-801B-9C0A0DAA7D64}"/>
+              </a:ext>
+            </a:extLst>
+          </p:cNvPr>
+          <p:cNvCxnSpPr/>
+          <p:nvPr/>
+        </p:nvCxnSpPr>
+        <p:spPr>
+          <a:xfrm flipH="1">
+            <a:off x="7184571" y="2258384"/>
+            <a:ext cx="888275" cy="200055"/>
+          </a:xfrm>
+          <a:prstGeom prst="straightConnector1">
+            <a:avLst/>
+          </a:prstGeom>
+          <a:ln>
+            <a:tailEnd type="triangle"/>
+          </a:ln>
+        </p:spPr>
+        <p:style>
+          <a:lnRef idx="1">
+            <a:schemeClr val="dk1"/>
+          </a:lnRef>
+          <a:fillRef idx="0">
+            <a:schemeClr val="dk1"/>
+          </a:fillRef>
+          <a:effectRef idx="0">
+            <a:schemeClr val="dk1"/>
+          </a:effectRef>
+          <a:fontRef idx="minor">
+            <a:schemeClr val="tx1"/>
+          </a:fontRef>
+        </p:style>
+      </p:cxnSp>
+      <p:sp>
+        <p:nvSpPr>
+          <p:cNvPr id="16" name="Textfeld 15">
+            <a:extLst>
+              <a:ext uri="{FF2B5EF4-FFF2-40B4-BE49-F238E27FC236}">
+                <a16:creationId xmlns:a16="http://schemas.microsoft.com/office/drawing/2014/main" id="{9C4696B8-FFB8-4143-8D0B-52DCFE141596}"/>
+              </a:ext>
+            </a:extLst>
+          </p:cNvPr>
+          <p:cNvSpPr txBox="1"/>
+          <p:nvPr/>
+        </p:nvSpPr>
+        <p:spPr>
+          <a:xfrm>
+            <a:off x="964474" y="4358283"/>
+            <a:ext cx="2481943" cy="369332"/>
+          </a:xfrm>
+          <a:prstGeom prst="rect">
+            <a:avLst/>
+          </a:prstGeom>
+          <a:noFill/>
+        </p:spPr>
+        <p:txBody>
+          <a:bodyPr wrap="square" rtlCol="0">
+            <a:spAutoFit/>
+          </a:bodyPr>
+          <a:lstStyle/>
+          <a:p>
+            <a:r>
+              <a:rPr lang="de-DE" dirty="0"/>
+              <a:t>Werte aus der Titration:</a:t>
+            </a:r>
+          </a:p>
+        </p:txBody>
+      </p:sp>
+      <p:sp>
+        <p:nvSpPr>
+          <p:cNvPr id="17" name="Textfeld 16">
+            <a:extLst>
+              <a:ext uri="{FF2B5EF4-FFF2-40B4-BE49-F238E27FC236}">
+                <a16:creationId xmlns:a16="http://schemas.microsoft.com/office/drawing/2014/main" id="{C8EA882D-A333-4899-AAE2-6D7D3720D940}"/>
+              </a:ext>
+            </a:extLst>
+          </p:cNvPr>
+          <p:cNvSpPr txBox="1"/>
+          <p:nvPr/>
+        </p:nvSpPr>
+        <p:spPr>
+          <a:xfrm>
+            <a:off x="3644531" y="4367066"/>
+            <a:ext cx="1611084" cy="369332"/>
+          </a:xfrm>
+          <a:prstGeom prst="rect">
+            <a:avLst/>
+          </a:prstGeom>
+          <a:noFill/>
+        </p:spPr>
+        <p:txBody>
+          <a:bodyPr wrap="square" rtlCol="0">
+            <a:spAutoFit/>
+          </a:bodyPr>
+          <a:lstStyle/>
+          <a:p>
+            <a:r>
+              <a:rPr lang="de-DE" sz="1800" dirty="0">
+                <a:effectLst/>
+                <a:ea typeface="Times New Roman" panose="02020603050405020304" pitchFamily="18" charset="0"/>
+              </a:rPr>
+              <a:t>V (HCl) =  </a:t>
+            </a:r>
+            <a:r>
+              <a:rPr lang="de-DE" dirty="0"/>
+              <a:t>0,05 l</a:t>
+            </a:r>
+          </a:p>
+        </p:txBody>
+      </p:sp>
+      <mc:AlternateContent xmlns:mc="http://schemas.openxmlformats.org/markup-compatibility/2006">
+        <mc:Choice xmlns:a14="http://schemas.microsoft.com/office/drawing/2010/main" Requires="a14">
+          <p:sp>
+            <p:nvSpPr>
+              <p:cNvPr id="19" name="Textfeld 18">
+                <a:extLst>
+                  <a:ext uri="{FF2B5EF4-FFF2-40B4-BE49-F238E27FC236}">
+                    <a16:creationId xmlns:a16="http://schemas.microsoft.com/office/drawing/2014/main" id="{37E80FE6-0FCF-4052-9C97-1C43E2C37069}"/>
+                  </a:ext>
+                </a:extLst>
+              </p:cNvPr>
+              <p:cNvSpPr txBox="1"/>
+              <p:nvPr/>
+            </p:nvSpPr>
+            <p:spPr>
+              <a:xfrm>
+                <a:off x="3627111" y="4643082"/>
+                <a:ext cx="2233751" cy="497187"/>
+              </a:xfrm>
+              <a:prstGeom prst="rect">
+                <a:avLst/>
+              </a:prstGeom>
+              <a:noFill/>
+            </p:spPr>
+            <p:txBody>
+              <a:bodyPr wrap="square" rtlCol="0">
+                <a:spAutoFit/>
+              </a:bodyPr>
+              <a:lstStyle/>
+              <a:p>
+                <a:r>
+                  <a:rPr lang="de-DE" dirty="0">
+                    <a:ea typeface="Times New Roman" panose="02020603050405020304" pitchFamily="18" charset="0"/>
+                  </a:rPr>
+                  <a:t>c(</a:t>
+                </a:r>
+                <a:r>
+                  <a:rPr lang="de-DE" dirty="0" err="1">
+                    <a:ea typeface="Times New Roman" panose="02020603050405020304" pitchFamily="18" charset="0"/>
+                  </a:rPr>
+                  <a:t>NaOH</a:t>
+                </a:r>
+                <a:r>
+                  <a:rPr lang="de-DE" dirty="0">
+                    <a:ea typeface="Times New Roman" panose="02020603050405020304" pitchFamily="18" charset="0"/>
+                  </a:rPr>
+                  <a:t>)  = </a:t>
+                </a:r>
+                <a:r>
+                  <a:rPr lang="de-DE" dirty="0"/>
+                  <a:t>0,1</a:t>
+                </a:r>
+                <a:r>
+                  <a:rPr lang="de-DE" sz="1800" dirty="0">
+                    <a:effectLst/>
+                  </a:rPr>
+                  <a:t> </a:t>
+                </a:r>
+                <a14:m>
+                  <m:oMath xmlns:m="http://schemas.openxmlformats.org/officeDocument/2006/math">
+                    <m:f>
+                      <m:fPr>
+                        <m:ctrlPr>
+                          <a:rPr lang="de-DE" sz="1800" i="1" smtClean="0">
+                            <a:effectLst/>
+                            <a:latin typeface="Cambria Math" panose="02040503050406030204" pitchFamily="18" charset="0"/>
+                          </a:rPr>
+                        </m:ctrlPr>
+                      </m:fPr>
+                      <m:num>
+                        <m:r>
+                          <m:rPr>
+                            <m:sty m:val="p"/>
+                          </m:rPr>
+                          <a:rPr lang="de-DE" sz="1800" b="0" i="0" smtClean="0">
+                            <a:effectLst/>
+                            <a:latin typeface="Cambria Math" panose="02040503050406030204" pitchFamily="18" charset="0"/>
+                          </a:rPr>
+                          <m:t>mol</m:t>
+                        </m:r>
+                      </m:num>
+                      <m:den>
+                        <m:r>
+                          <m:rPr>
+                            <m:sty m:val="p"/>
+                          </m:rPr>
+                          <a:rPr lang="de-DE" sz="1800" b="0" i="0" smtClean="0">
+                            <a:effectLst/>
+                            <a:latin typeface="Cambria Math" panose="02040503050406030204" pitchFamily="18" charset="0"/>
+                          </a:rPr>
+                          <m:t>l</m:t>
+                        </m:r>
+                      </m:den>
+                    </m:f>
+                  </m:oMath>
+                </a14:m>
+                <a:endParaRPr lang="de-DE" dirty="0"/>
+              </a:p>
+            </p:txBody>
+          </p:sp>
+        </mc:Choice>
+        <mc:Fallback>
+          <p:sp>
+            <p:nvSpPr>
+              <p:cNvPr id="19" name="Textfeld 18">
+                <a:extLst>
+                  <a:ext uri="{FF2B5EF4-FFF2-40B4-BE49-F238E27FC236}">
+                    <a16:creationId xmlns:a16="http://schemas.microsoft.com/office/drawing/2014/main" id="{37E80FE6-0FCF-4052-9C97-1C43E2C37069}"/>
+                  </a:ext>
+                </a:extLst>
+              </p:cNvPr>
+              <p:cNvSpPr txBox="1">
+                <a:spLocks noRot="1" noChangeAspect="1" noMove="1" noResize="1" noEditPoints="1" noAdjustHandles="1" noChangeArrowheads="1" noChangeShapeType="1" noTextEdit="1"/>
+              </p:cNvSpPr>
+              <p:nvPr/>
+            </p:nvSpPr>
+            <p:spPr>
+              <a:xfrm>
+                <a:off x="3627111" y="4643082"/>
+                <a:ext cx="2233751" cy="497187"/>
+              </a:xfrm>
+              <a:prstGeom prst="rect">
+                <a:avLst/>
+              </a:prstGeom>
+              <a:blipFill>
+                <a:blip r:embed="rId3"/>
+                <a:stretch>
+                  <a:fillRect l="-2459" b="-8642"/>
+                </a:stretch>
+              </a:blipFill>
+            </p:spPr>
+            <p:txBody>
+              <a:bodyPr/>
+              <a:lstStyle/>
+              <a:p>
+                <a:r>
+                  <a:rPr lang="de-DE">
+                    <a:noFill/>
+                  </a:rPr>
+                  <a:t> </a:t>
+                </a:r>
+              </a:p>
+            </p:txBody>
+          </p:sp>
+        </mc:Fallback>
+      </mc:AlternateContent>
+      <p:sp>
+        <p:nvSpPr>
+          <p:cNvPr id="22" name="Textfeld 21">
+            <a:extLst>
+              <a:ext uri="{FF2B5EF4-FFF2-40B4-BE49-F238E27FC236}">
+                <a16:creationId xmlns:a16="http://schemas.microsoft.com/office/drawing/2014/main" id="{38300BA7-2769-419A-B990-7BE0735F946A}"/>
+              </a:ext>
+            </a:extLst>
+          </p:cNvPr>
+          <p:cNvSpPr txBox="1"/>
+          <p:nvPr/>
+        </p:nvSpPr>
+        <p:spPr>
+          <a:xfrm>
+            <a:off x="3628192" y="5091830"/>
+            <a:ext cx="4014661" cy="369332"/>
+          </a:xfrm>
+          <a:prstGeom prst="rect">
+            <a:avLst/>
+          </a:prstGeom>
+          <a:noFill/>
+        </p:spPr>
+        <p:txBody>
+          <a:bodyPr wrap="square" rtlCol="0">
+            <a:spAutoFit/>
+          </a:bodyPr>
+          <a:lstStyle/>
+          <a:p>
+            <a:r>
+              <a:rPr lang="de-DE" sz="1800" dirty="0">
+                <a:effectLst/>
+                <a:ea typeface="Times New Roman" panose="02020603050405020304" pitchFamily="18" charset="0"/>
+              </a:rPr>
+              <a:t>V (</a:t>
+            </a:r>
+            <a:r>
+              <a:rPr lang="de-DE" sz="1800" dirty="0" err="1">
+                <a:effectLst/>
+                <a:ea typeface="Times New Roman" panose="02020603050405020304" pitchFamily="18" charset="0"/>
+              </a:rPr>
+              <a:t>NaOH</a:t>
+            </a:r>
+            <a:r>
+              <a:rPr lang="de-DE" sz="1800" dirty="0">
+                <a:effectLst/>
+                <a:ea typeface="Times New Roman" panose="02020603050405020304" pitchFamily="18" charset="0"/>
+              </a:rPr>
+              <a:t>) = </a:t>
+            </a:r>
+            <a:r>
+              <a:rPr lang="de-DE" dirty="0"/>
+              <a:t>0,03 l (Verbrauch)</a:t>
+            </a:r>
+          </a:p>
+        </p:txBody>
+      </p:sp>
+      <p:grpSp>
+        <p:nvGrpSpPr>
+          <p:cNvPr id="37" name="Gruppieren 36">
+            <a:extLst>
+              <a:ext uri="{FF2B5EF4-FFF2-40B4-BE49-F238E27FC236}">
+                <a16:creationId xmlns:a16="http://schemas.microsoft.com/office/drawing/2014/main" id="{19069690-C158-4E2F-A08B-C3A0903259BD}"/>
+              </a:ext>
+            </a:extLst>
+          </p:cNvPr>
+          <p:cNvGrpSpPr/>
+          <p:nvPr/>
+        </p:nvGrpSpPr>
+        <p:grpSpPr>
+          <a:xfrm>
+            <a:off x="3640174" y="3149092"/>
+            <a:ext cx="3320148" cy="797050"/>
+            <a:chOff x="3442061" y="3037601"/>
+            <a:chExt cx="3320148" cy="797050"/>
+          </a:xfrm>
+        </p:grpSpPr>
+        <p:sp>
+          <p:nvSpPr>
+            <p:cNvPr id="29" name="Rectangle 3">
+              <a:extLst>
+                <a:ext uri="{FF2B5EF4-FFF2-40B4-BE49-F238E27FC236}">
+                  <a16:creationId xmlns:a16="http://schemas.microsoft.com/office/drawing/2014/main" id="{5363344C-AAE4-472E-B10F-EED33FB7D5DF}"/>
+                </a:ext>
+              </a:extLst>
+            </p:cNvPr>
+            <p:cNvSpPr>
+              <a:spLocks noChangeArrowheads="1"/>
+            </p:cNvSpPr>
+            <p:nvPr/>
+          </p:nvSpPr>
+          <p:spPr bwMode="auto">
+            <a:xfrm>
+              <a:off x="3442061" y="3222256"/>
+              <a:ext cx="981893" cy="369332"/>
+            </a:xfrm>
+            <a:prstGeom prst="rect">
+              <a:avLst/>
+            </a:prstGeom>
+            <a:noFill/>
+            <a:ln>
+              <a:noFill/>
+            </a:ln>
+            <a:effectLst/>
+            <a:extLst>
+              <a:ext uri="{909E8E84-426E-40DD-AFC4-6F175D3DCCD1}">
+                <a14:hiddenFill xmlns:a14="http://schemas.microsoft.com/office/drawing/2010/main">
+                  <a:solidFill>
+                    <a:schemeClr val="accent1"/>
+                  </a:solidFill>
+                </a14:hiddenFill>
+              </a:ext>
+              <a:ext uri="{91240B29-F687-4F45-9708-019B960494DF}">
+                <a14:hiddenLine xmlns:a14="http://schemas.microsoft.com/office/drawing/2010/main" w="9525">
+                  <a:solidFill>
+                    <a:schemeClr val="tx1"/>
+                  </a:solidFill>
+                  <a:miter lim="800000"/>
+                  <a:headEnd/>
+                  <a:tailEnd/>
+                </a14:hiddenLine>
+              </a:ext>
+              <a:ext uri="{AF507438-7753-43E0-B8FC-AC1667EBCBE1}">
+                <a14:hiddenEffects xmlns:a14="http://schemas.microsoft.com/office/drawing/2010/main">
+                  <a:effectLst>
+                    <a:outerShdw dist="35921" dir="2700000" algn="ctr" rotWithShape="0">
+                      <a:schemeClr val="bg2"/>
+                    </a:outerShdw>
+                  </a:effectLst>
+                </a14:hiddenEffects>
+              </a:ext>
+            </a:extLst>
+          </p:spPr>
+          <p:txBody>
+            <a:bodyPr vert="horz" wrap="square" lIns="91440" tIns="45720" rIns="91440" bIns="45720" numCol="1" anchor="ctr" anchorCtr="0" compatLnSpc="1">
+              <a:prstTxWarp prst="textNoShape">
+                <a:avLst/>
+              </a:prstTxWarp>
+              <a:spAutoFit/>
+            </a:bodyPr>
+            <a:lstStyle/>
+            <a:p>
+              <a:pPr marL="0" marR="0" lvl="0" indent="0" algn="l" defTabSz="914400" rtl="0" eaLnBrk="0" fontAlgn="base" latinLnBrk="0" hangingPunct="0">
+                <a:lnSpc>
+                  <a:spcPct val="100000"/>
+                </a:lnSpc>
+                <a:spcBef>
+                  <a:spcPct val="0"/>
+                </a:spcBef>
+                <a:spcAft>
+                  <a:spcPct val="0"/>
+                </a:spcAft>
+                <a:buClrTx/>
+                <a:buSzTx/>
+                <a:buFontTx/>
+                <a:buNone/>
+                <a:tabLst/>
+              </a:pPr>
+              <a:r>
+                <a:rPr kumimoji="0" lang="de-DE" altLang="de-DE" b="0" i="0" u="none" strike="noStrike" cap="none" normalizeH="0" baseline="0" dirty="0">
+                  <a:ln>
+                    <a:noFill/>
+                  </a:ln>
+                  <a:solidFill>
+                    <a:schemeClr val="tx1"/>
+                  </a:solidFill>
+                  <a:effectLst/>
+                  <a:ea typeface="Times New Roman" panose="02020603050405020304" pitchFamily="18" charset="0"/>
+                  <a:cs typeface="Arial" panose="020B0604020202020204" pitchFamily="34" charset="0"/>
+                </a:rPr>
+                <a:t>c(HCl) = </a:t>
+              </a:r>
+              <a:endParaRPr kumimoji="0" lang="de-DE" altLang="de-DE" sz="1000" b="0" i="0" u="none" strike="noStrike" cap="none" normalizeH="0" baseline="0" dirty="0">
+                <a:ln>
+                  <a:noFill/>
+                </a:ln>
+                <a:solidFill>
+                  <a:schemeClr val="tx1"/>
+                </a:solidFill>
+                <a:effectLst/>
+              </a:endParaRPr>
+            </a:p>
+          </p:txBody>
+        </p:sp>
+        <p:sp>
+          <p:nvSpPr>
+            <p:cNvPr id="31" name="Textfeld 30">
+              <a:extLst>
+                <a:ext uri="{FF2B5EF4-FFF2-40B4-BE49-F238E27FC236}">
+                  <a16:creationId xmlns:a16="http://schemas.microsoft.com/office/drawing/2014/main" id="{C65E6660-9CD7-4343-A7CC-B926768C0AE6}"/>
+                </a:ext>
+              </a:extLst>
+            </p:cNvPr>
+            <p:cNvSpPr txBox="1"/>
+            <p:nvPr/>
+          </p:nvSpPr>
+          <p:spPr>
+            <a:xfrm>
+              <a:off x="4423954" y="3037601"/>
+              <a:ext cx="2338255" cy="369332"/>
+            </a:xfrm>
+            <a:prstGeom prst="rect">
+              <a:avLst/>
+            </a:prstGeom>
+            <a:noFill/>
+          </p:spPr>
+          <p:txBody>
+            <a:bodyPr wrap="square">
+              <a:spAutoFit/>
+            </a:bodyPr>
+            <a:lstStyle/>
+            <a:p>
+              <a:r>
+                <a:rPr kumimoji="0" lang="de-DE" altLang="de-DE" sz="1800" b="0" i="0" u="none" strike="noStrike" cap="none" normalizeH="0" baseline="0" dirty="0">
+                  <a:ln>
+                    <a:noFill/>
+                  </a:ln>
+                  <a:solidFill>
+                    <a:schemeClr val="tx1"/>
+                  </a:solidFill>
+                  <a:effectLst/>
+                  <a:ea typeface="Times New Roman" panose="02020603050405020304" pitchFamily="18" charset="0"/>
+                  <a:cs typeface="Arial" panose="020B0604020202020204" pitchFamily="34" charset="0"/>
+                </a:rPr>
+                <a:t>c(</a:t>
+              </a:r>
+              <a:r>
+                <a:rPr kumimoji="0" lang="de-DE" altLang="de-DE" sz="1800" b="0" i="0" u="none" strike="noStrike" cap="none" normalizeH="0" baseline="0" dirty="0" err="1">
+                  <a:ln>
+                    <a:noFill/>
+                  </a:ln>
+                  <a:solidFill>
+                    <a:schemeClr val="tx1"/>
+                  </a:solidFill>
+                  <a:effectLst/>
+                  <a:ea typeface="Times New Roman" panose="02020603050405020304" pitchFamily="18" charset="0"/>
+                  <a:cs typeface="Arial" panose="020B0604020202020204" pitchFamily="34" charset="0"/>
+                </a:rPr>
+                <a:t>NaOH</a:t>
+              </a:r>
+              <a:r>
+                <a:rPr kumimoji="0" lang="de-DE" altLang="de-DE" sz="1800" b="0" i="0" u="none" strike="noStrike" cap="none" normalizeH="0" baseline="0" dirty="0">
+                  <a:ln>
+                    <a:noFill/>
+                  </a:ln>
+                  <a:solidFill>
+                    <a:schemeClr val="tx1"/>
+                  </a:solidFill>
+                  <a:effectLst/>
+                  <a:ea typeface="Times New Roman" panose="02020603050405020304" pitchFamily="18" charset="0"/>
+                  <a:cs typeface="Arial" panose="020B0604020202020204" pitchFamily="34" charset="0"/>
+                </a:rPr>
+                <a:t>) </a:t>
+              </a:r>
+              <a:r>
+                <a:rPr kumimoji="0" lang="de-DE" altLang="de-DE" sz="1800" b="0" i="0" u="none" strike="noStrike" cap="none" normalizeH="0" baseline="0" dirty="0">
+                  <a:ln>
+                    <a:noFill/>
+                  </a:ln>
+                  <a:solidFill>
+                    <a:schemeClr val="tx1"/>
+                  </a:solidFill>
+                  <a:effectLst/>
+                  <a:ea typeface="Times New Roman" panose="02020603050405020304" pitchFamily="18" charset="0"/>
+                  <a:cs typeface="Arial" panose="020B0604020202020204" pitchFamily="34" charset="0"/>
+                  <a:sym typeface="Wingdings" panose="05000000000000000000" pitchFamily="2" charset="2"/>
+                </a:rPr>
+                <a:t></a:t>
+              </a:r>
+              <a:r>
+                <a:rPr kumimoji="0" lang="de-DE" altLang="de-DE" sz="1800" b="0" i="0" u="none" strike="noStrike" cap="none" normalizeH="0" baseline="0" dirty="0">
+                  <a:ln>
+                    <a:noFill/>
+                  </a:ln>
+                  <a:solidFill>
+                    <a:schemeClr val="tx1"/>
+                  </a:solidFill>
+                  <a:effectLst/>
+                  <a:ea typeface="Times New Roman" panose="02020603050405020304" pitchFamily="18" charset="0"/>
+                  <a:cs typeface="Arial" panose="020B0604020202020204" pitchFamily="34" charset="0"/>
+                </a:rPr>
+                <a:t> V (</a:t>
+              </a:r>
+              <a:r>
+                <a:rPr kumimoji="0" lang="de-DE" altLang="de-DE" sz="1800" b="0" i="0" u="none" strike="noStrike" cap="none" normalizeH="0" baseline="0" dirty="0" err="1">
+                  <a:ln>
+                    <a:noFill/>
+                  </a:ln>
+                  <a:solidFill>
+                    <a:schemeClr val="tx1"/>
+                  </a:solidFill>
+                  <a:effectLst/>
+                  <a:ea typeface="Times New Roman" panose="02020603050405020304" pitchFamily="18" charset="0"/>
+                  <a:cs typeface="Arial" panose="020B0604020202020204" pitchFamily="34" charset="0"/>
+                </a:rPr>
+                <a:t>NaOH</a:t>
+              </a:r>
+              <a:r>
+                <a:rPr kumimoji="0" lang="de-DE" altLang="de-DE" sz="1800" b="0" i="0" u="none" strike="noStrike" cap="none" normalizeH="0" baseline="0" dirty="0">
+                  <a:ln>
+                    <a:noFill/>
+                  </a:ln>
+                  <a:solidFill>
+                    <a:schemeClr val="tx1"/>
+                  </a:solidFill>
+                  <a:effectLst/>
+                  <a:ea typeface="Times New Roman" panose="02020603050405020304" pitchFamily="18" charset="0"/>
+                  <a:cs typeface="Arial" panose="020B0604020202020204" pitchFamily="34" charset="0"/>
+                </a:rPr>
+                <a:t>)</a:t>
+              </a:r>
+              <a:r>
+                <a:rPr kumimoji="0" lang="de-DE" altLang="de-DE" sz="1800" b="0" i="0" u="none" strike="noStrike" cap="none" normalizeH="0" baseline="0" dirty="0">
+                  <a:ln>
+                    <a:noFill/>
+                  </a:ln>
+                  <a:solidFill>
+                    <a:schemeClr val="tx1"/>
+                  </a:solidFill>
+                  <a:effectLst/>
+                  <a:ea typeface="Times New Roman" panose="02020603050405020304" pitchFamily="18" charset="0"/>
+                  <a:cs typeface="Arial" panose="020B0604020202020204" pitchFamily="34" charset="0"/>
+                  <a:sym typeface="Wingdings" panose="05000000000000000000" pitchFamily="2" charset="2"/>
+                </a:rPr>
+                <a:t> </a:t>
+              </a:r>
+              <a:endParaRPr lang="de-DE" dirty="0"/>
+            </a:p>
+          </p:txBody>
+        </p:sp>
+        <p:sp>
+          <p:nvSpPr>
+            <p:cNvPr id="33" name="Textfeld 32">
+              <a:extLst>
+                <a:ext uri="{FF2B5EF4-FFF2-40B4-BE49-F238E27FC236}">
+                  <a16:creationId xmlns:a16="http://schemas.microsoft.com/office/drawing/2014/main" id="{C31DBFF5-C856-46F8-A9A4-CB0A6E9FDA4D}"/>
+                </a:ext>
+              </a:extLst>
+            </p:cNvPr>
+            <p:cNvSpPr txBox="1"/>
+            <p:nvPr/>
+          </p:nvSpPr>
+          <p:spPr>
+            <a:xfrm>
+              <a:off x="5053145" y="3465319"/>
+              <a:ext cx="981893" cy="369332"/>
+            </a:xfrm>
+            <a:prstGeom prst="rect">
+              <a:avLst/>
+            </a:prstGeom>
+            <a:noFill/>
+          </p:spPr>
+          <p:txBody>
+            <a:bodyPr wrap="square">
+              <a:spAutoFit/>
+            </a:bodyPr>
+            <a:lstStyle/>
+            <a:p>
+              <a:r>
+                <a:rPr kumimoji="0" lang="de-DE" altLang="de-DE" sz="1800" b="0" i="0" u="none" strike="noStrike" cap="none" normalizeH="0" baseline="0" dirty="0">
+                  <a:ln>
+                    <a:noFill/>
+                  </a:ln>
+                  <a:solidFill>
+                    <a:schemeClr val="tx1"/>
+                  </a:solidFill>
+                  <a:effectLst/>
+                  <a:ea typeface="Times New Roman" panose="02020603050405020304" pitchFamily="18" charset="0"/>
+                  <a:cs typeface="Arial" panose="020B0604020202020204" pitchFamily="34" charset="0"/>
+                </a:rPr>
+                <a:t>V (HCl) </a:t>
+              </a:r>
+              <a:endParaRPr lang="de-DE" dirty="0"/>
+            </a:p>
+          </p:txBody>
+        </p:sp>
+        <p:cxnSp>
+          <p:nvCxnSpPr>
+            <p:cNvPr id="35" name="Gerader Verbinder 34">
+              <a:extLst>
+                <a:ext uri="{FF2B5EF4-FFF2-40B4-BE49-F238E27FC236}">
+                  <a16:creationId xmlns:a16="http://schemas.microsoft.com/office/drawing/2014/main" id="{9F380B12-FA61-43C1-BAAA-C5258FC3F858}"/>
+                </a:ext>
+              </a:extLst>
+            </p:cNvPr>
+            <p:cNvCxnSpPr>
+              <a:cxnSpLocks/>
+            </p:cNvCxnSpPr>
+            <p:nvPr/>
+          </p:nvCxnSpPr>
+          <p:spPr>
+            <a:xfrm>
+              <a:off x="4506687" y="3429000"/>
+              <a:ext cx="1824444" cy="10886"/>
+            </a:xfrm>
+            <a:prstGeom prst="line">
+              <a:avLst/>
+            </a:prstGeom>
+          </p:spPr>
+          <p:style>
+            <a:lnRef idx="1">
+              <a:schemeClr val="dk1"/>
+            </a:lnRef>
+            <a:fillRef idx="0">
+              <a:schemeClr val="dk1"/>
+            </a:fillRef>
+            <a:effectRef idx="0">
+              <a:schemeClr val="dk1"/>
+            </a:effectRef>
+            <a:fontRef idx="minor">
+              <a:schemeClr val="tx1"/>
+            </a:fontRef>
+          </p:style>
+        </p:cxnSp>
+      </p:grpSp>
+      <p:grpSp>
+        <p:nvGrpSpPr>
+          <p:cNvPr id="38" name="Gruppieren 37">
+            <a:extLst>
+              <a:ext uri="{FF2B5EF4-FFF2-40B4-BE49-F238E27FC236}">
+                <a16:creationId xmlns:a16="http://schemas.microsoft.com/office/drawing/2014/main" id="{2E06A8AE-0645-4D79-92C9-E4E0AF2A6A25}"/>
+              </a:ext>
+            </a:extLst>
+          </p:cNvPr>
+          <p:cNvGrpSpPr/>
+          <p:nvPr/>
+        </p:nvGrpSpPr>
+        <p:grpSpPr>
+          <a:xfrm>
+            <a:off x="7188927" y="4340705"/>
+            <a:ext cx="3363693" cy="923375"/>
+            <a:chOff x="3442061" y="2931813"/>
+            <a:chExt cx="3363693" cy="923375"/>
+          </a:xfrm>
+        </p:grpSpPr>
+        <p:sp>
+          <p:nvSpPr>
+            <p:cNvPr id="39" name="Rectangle 3">
+              <a:extLst>
+                <a:ext uri="{FF2B5EF4-FFF2-40B4-BE49-F238E27FC236}">
+                  <a16:creationId xmlns:a16="http://schemas.microsoft.com/office/drawing/2014/main" id="{52513F4E-7BBD-4B7C-A52A-38A47554DC35}"/>
+                </a:ext>
+              </a:extLst>
+            </p:cNvPr>
+            <p:cNvSpPr>
+              <a:spLocks noChangeArrowheads="1"/>
+            </p:cNvSpPr>
+            <p:nvPr/>
+          </p:nvSpPr>
+          <p:spPr bwMode="auto">
+            <a:xfrm>
+              <a:off x="3442061" y="3222256"/>
+              <a:ext cx="981893" cy="369332"/>
+            </a:xfrm>
+            <a:prstGeom prst="rect">
+              <a:avLst/>
+            </a:prstGeom>
+            <a:noFill/>
+            <a:ln>
+              <a:noFill/>
+            </a:ln>
+            <a:effectLst/>
+            <a:extLst>
+              <a:ext uri="{909E8E84-426E-40DD-AFC4-6F175D3DCCD1}">
+                <a14:hiddenFill xmlns:a14="http://schemas.microsoft.com/office/drawing/2010/main">
+                  <a:solidFill>
+                    <a:schemeClr val="accent1"/>
+                  </a:solidFill>
+                </a14:hiddenFill>
+              </a:ext>
+              <a:ext uri="{91240B29-F687-4F45-9708-019B960494DF}">
+                <a14:hiddenLine xmlns:a14="http://schemas.microsoft.com/office/drawing/2010/main" w="9525">
+                  <a:solidFill>
+                    <a:schemeClr val="tx1"/>
+                  </a:solidFill>
+                  <a:miter lim="800000"/>
+                  <a:headEnd/>
+                  <a:tailEnd/>
+                </a14:hiddenLine>
+              </a:ext>
+              <a:ext uri="{AF507438-7753-43E0-B8FC-AC1667EBCBE1}">
+                <a14:hiddenEffects xmlns:a14="http://schemas.microsoft.com/office/drawing/2010/main">
+                  <a:effectLst>
+                    <a:outerShdw dist="35921" dir="2700000" algn="ctr" rotWithShape="0">
+                      <a:schemeClr val="bg2"/>
+                    </a:outerShdw>
+                  </a:effectLst>
+                </a14:hiddenEffects>
+              </a:ext>
+            </a:extLst>
+          </p:spPr>
+          <p:txBody>
+            <a:bodyPr vert="horz" wrap="square" lIns="91440" tIns="45720" rIns="91440" bIns="45720" numCol="1" anchor="ctr" anchorCtr="0" compatLnSpc="1">
+              <a:prstTxWarp prst="textNoShape">
+                <a:avLst/>
+              </a:prstTxWarp>
+              <a:spAutoFit/>
+            </a:bodyPr>
+            <a:lstStyle/>
+            <a:p>
+              <a:pPr marL="0" marR="0" lvl="0" indent="0" algn="l" defTabSz="914400" rtl="0" eaLnBrk="0" fontAlgn="base" latinLnBrk="0" hangingPunct="0">
+                <a:lnSpc>
+                  <a:spcPct val="100000"/>
+                </a:lnSpc>
+                <a:spcBef>
+                  <a:spcPct val="0"/>
+                </a:spcBef>
+                <a:spcAft>
+                  <a:spcPct val="0"/>
+                </a:spcAft>
+                <a:buClrTx/>
+                <a:buSzTx/>
+                <a:buFontTx/>
+                <a:buNone/>
+                <a:tabLst/>
+              </a:pPr>
+              <a:r>
+                <a:rPr kumimoji="0" lang="de-DE" altLang="de-DE" b="0" i="0" u="none" strike="noStrike" cap="none" normalizeH="0" baseline="0" dirty="0">
+                  <a:ln>
+                    <a:noFill/>
+                  </a:ln>
+                  <a:solidFill>
+                    <a:schemeClr val="tx1"/>
+                  </a:solidFill>
+                  <a:effectLst/>
+                  <a:ea typeface="Times New Roman" panose="02020603050405020304" pitchFamily="18" charset="0"/>
+                  <a:cs typeface="Arial" panose="020B0604020202020204" pitchFamily="34" charset="0"/>
+                </a:rPr>
+                <a:t>c(HCl) = </a:t>
+              </a:r>
+              <a:endParaRPr kumimoji="0" lang="de-DE" altLang="de-DE" sz="1000" b="0" i="0" u="none" strike="noStrike" cap="none" normalizeH="0" baseline="0" dirty="0">
+                <a:ln>
+                  <a:noFill/>
+                </a:ln>
+                <a:solidFill>
+                  <a:schemeClr val="tx1"/>
+                </a:solidFill>
+                <a:effectLst/>
+              </a:endParaRPr>
+            </a:p>
+          </p:txBody>
+        </p:sp>
+        <mc:AlternateContent xmlns:mc="http://schemas.openxmlformats.org/markup-compatibility/2006">
+          <mc:Choice xmlns:a14="http://schemas.microsoft.com/office/drawing/2010/main" Requires="a14">
+            <p:sp>
+              <p:nvSpPr>
+                <p:cNvPr id="40" name="Textfeld 39">
+                  <a:extLst>
+                    <a:ext uri="{FF2B5EF4-FFF2-40B4-BE49-F238E27FC236}">
+                      <a16:creationId xmlns:a16="http://schemas.microsoft.com/office/drawing/2014/main" id="{58E4E279-D424-49B5-99B6-CA32C8EA8C98}"/>
+                    </a:ext>
+                  </a:extLst>
+                </p:cNvPr>
+                <p:cNvSpPr txBox="1"/>
+                <p:nvPr/>
+              </p:nvSpPr>
+              <p:spPr>
+                <a:xfrm>
+                  <a:off x="4467499" y="2931813"/>
+                  <a:ext cx="2338255" cy="497187"/>
+                </a:xfrm>
+                <a:prstGeom prst="rect">
+                  <a:avLst/>
+                </a:prstGeom>
+                <a:noFill/>
+              </p:spPr>
+              <p:txBody>
+                <a:bodyPr wrap="square">
+                  <a:spAutoFit/>
+                </a:bodyPr>
+                <a:lstStyle/>
+                <a:p>
+                  <a:r>
+                    <a:rPr lang="de-DE" dirty="0"/>
+                    <a:t>0,1</a:t>
+                  </a:r>
+                  <a:r>
+                    <a:rPr lang="de-DE" sz="1800" dirty="0">
+                      <a:effectLst/>
+                    </a:rPr>
+                    <a:t> </a:t>
+                  </a:r>
+                  <a14:m>
+                    <m:oMath xmlns:m="http://schemas.openxmlformats.org/officeDocument/2006/math">
+                      <m:f>
+                        <m:fPr>
+                          <m:ctrlPr>
+                            <a:rPr lang="de-DE" sz="1800" i="1" smtClean="0">
+                              <a:effectLst/>
+                            </a:rPr>
+                          </m:ctrlPr>
+                        </m:fPr>
+                        <m:num>
+                          <m:r>
+                            <m:rPr>
+                              <m:sty m:val="p"/>
+                            </m:rPr>
+                            <a:rPr lang="de-DE" sz="1800" b="0" i="0" smtClean="0">
+                              <a:effectLst/>
+                            </a:rPr>
+                            <m:t>mol</m:t>
+                          </m:r>
+                        </m:num>
+                        <m:den>
+                          <m:r>
+                            <m:rPr>
+                              <m:sty m:val="p"/>
+                            </m:rPr>
+                            <a:rPr lang="de-DE" sz="1800" b="0" i="0" smtClean="0">
+                              <a:effectLst/>
+                            </a:rPr>
+                            <m:t>l</m:t>
+                          </m:r>
+                        </m:den>
+                      </m:f>
+                      <m:r>
+                        <a:rPr lang="de-DE" sz="1800" b="0" i="1" smtClean="0">
+                          <a:effectLst/>
+                        </a:rPr>
+                        <m:t> </m:t>
+                      </m:r>
+                    </m:oMath>
+                  </a14:m>
+                  <a:r>
+                    <a:rPr kumimoji="0" lang="de-DE" altLang="de-DE" sz="1800" b="0" i="0" u="none" strike="noStrike" cap="none" normalizeH="0" baseline="0" dirty="0">
+                      <a:ln>
+                        <a:noFill/>
+                      </a:ln>
+                      <a:solidFill>
+                        <a:schemeClr val="tx1"/>
+                      </a:solidFill>
+                      <a:effectLst/>
+                      <a:ea typeface="Times New Roman" panose="02020603050405020304" pitchFamily="18" charset="0"/>
+                      <a:cs typeface="Arial" panose="020B0604020202020204" pitchFamily="34" charset="0"/>
+                      <a:sym typeface="Wingdings" panose="05000000000000000000" pitchFamily="2" charset="2"/>
+                    </a:rPr>
+                    <a:t></a:t>
+                  </a:r>
+                  <a:r>
+                    <a:rPr kumimoji="0" lang="de-DE" altLang="de-DE" sz="1800" b="0" i="0" u="none" strike="noStrike" cap="none" normalizeH="0" baseline="0" dirty="0">
+                      <a:ln>
+                        <a:noFill/>
+                      </a:ln>
+                      <a:solidFill>
+                        <a:schemeClr val="tx1"/>
+                      </a:solidFill>
+                      <a:effectLst/>
+                      <a:ea typeface="Times New Roman" panose="02020603050405020304" pitchFamily="18" charset="0"/>
+                      <a:cs typeface="Arial" panose="020B0604020202020204" pitchFamily="34" charset="0"/>
+                    </a:rPr>
+                    <a:t> 0,03 l</a:t>
+                  </a:r>
+                  <a:endParaRPr lang="de-DE" dirty="0"/>
+                </a:p>
+              </p:txBody>
+            </p:sp>
+          </mc:Choice>
+          <mc:Fallback>
+            <p:sp>
+              <p:nvSpPr>
+                <p:cNvPr id="40" name="Textfeld 39">
+                  <a:extLst>
+                    <a:ext uri="{FF2B5EF4-FFF2-40B4-BE49-F238E27FC236}">
+                      <a16:creationId xmlns:a16="http://schemas.microsoft.com/office/drawing/2014/main" id="{58E4E279-D424-49B5-99B6-CA32C8EA8C98}"/>
+                    </a:ext>
+                  </a:extLst>
+                </p:cNvPr>
+                <p:cNvSpPr txBox="1">
+                  <a:spLocks noRot="1" noChangeAspect="1" noMove="1" noResize="1" noEditPoints="1" noAdjustHandles="1" noChangeArrowheads="1" noChangeShapeType="1" noTextEdit="1"/>
+                </p:cNvSpPr>
+                <p:nvPr/>
+              </p:nvSpPr>
+              <p:spPr>
+                <a:xfrm>
+                  <a:off x="4467499" y="2931813"/>
+                  <a:ext cx="2338255" cy="497187"/>
+                </a:xfrm>
+                <a:prstGeom prst="rect">
+                  <a:avLst/>
+                </a:prstGeom>
+                <a:blipFill>
+                  <a:blip r:embed="rId4"/>
+                  <a:stretch>
+                    <a:fillRect l="-2350" b="-7317"/>
+                  </a:stretch>
+                </a:blipFill>
+              </p:spPr>
+              <p:txBody>
+                <a:bodyPr/>
+                <a:lstStyle/>
+                <a:p>
+                  <a:r>
+                    <a:rPr lang="de-DE">
+                      <a:noFill/>
+                    </a:rPr>
+                    <a:t> </a:t>
+                  </a:r>
+                </a:p>
+              </p:txBody>
+            </p:sp>
+          </mc:Fallback>
+        </mc:AlternateContent>
+        <p:sp>
+          <p:nvSpPr>
+            <p:cNvPr id="41" name="Textfeld 40">
+              <a:extLst>
+                <a:ext uri="{FF2B5EF4-FFF2-40B4-BE49-F238E27FC236}">
+                  <a16:creationId xmlns:a16="http://schemas.microsoft.com/office/drawing/2014/main" id="{02C15B09-039D-4551-9B49-9513663FC968}"/>
+                </a:ext>
+              </a:extLst>
+            </p:cNvPr>
+            <p:cNvSpPr txBox="1"/>
+            <p:nvPr/>
+          </p:nvSpPr>
+          <p:spPr>
+            <a:xfrm>
+              <a:off x="4847406" y="3485856"/>
+              <a:ext cx="981893" cy="369332"/>
+            </a:xfrm>
+            <a:prstGeom prst="rect">
+              <a:avLst/>
+            </a:prstGeom>
+            <a:noFill/>
+          </p:spPr>
+          <p:txBody>
+            <a:bodyPr wrap="square">
+              <a:spAutoFit/>
+            </a:bodyPr>
+            <a:lstStyle/>
+            <a:p>
+              <a:r>
+                <a:rPr kumimoji="0" lang="de-DE" altLang="de-DE" sz="1800" b="0" i="0" u="none" strike="noStrike" cap="none" normalizeH="0" baseline="0" dirty="0">
+                  <a:ln>
+                    <a:noFill/>
+                  </a:ln>
+                  <a:solidFill>
+                    <a:schemeClr val="tx1"/>
+                  </a:solidFill>
+                  <a:effectLst/>
+                  <a:ea typeface="Times New Roman" panose="02020603050405020304" pitchFamily="18" charset="0"/>
+                  <a:cs typeface="Arial" panose="020B0604020202020204" pitchFamily="34" charset="0"/>
+                </a:rPr>
+                <a:t>0,05 l</a:t>
+              </a:r>
+              <a:endParaRPr lang="de-DE" dirty="0"/>
+            </a:p>
+          </p:txBody>
+        </p:sp>
+        <p:cxnSp>
+          <p:nvCxnSpPr>
+            <p:cNvPr id="42" name="Gerader Verbinder 41">
+              <a:extLst>
+                <a:ext uri="{FF2B5EF4-FFF2-40B4-BE49-F238E27FC236}">
+                  <a16:creationId xmlns:a16="http://schemas.microsoft.com/office/drawing/2014/main" id="{F3888EFA-F15A-4692-A617-9EC91DE283CF}"/>
+                </a:ext>
+              </a:extLst>
+            </p:cNvPr>
+            <p:cNvCxnSpPr>
+              <a:cxnSpLocks/>
+            </p:cNvCxnSpPr>
+            <p:nvPr/>
+          </p:nvCxnSpPr>
+          <p:spPr>
+            <a:xfrm>
+              <a:off x="4506687" y="3429000"/>
+              <a:ext cx="1824444" cy="10886"/>
+            </a:xfrm>
+            <a:prstGeom prst="line">
+              <a:avLst/>
+            </a:prstGeom>
+          </p:spPr>
+          <p:style>
+            <a:lnRef idx="1">
+              <a:schemeClr val="dk1"/>
+            </a:lnRef>
+            <a:fillRef idx="0">
+              <a:schemeClr val="dk1"/>
+            </a:fillRef>
+            <a:effectRef idx="0">
+              <a:schemeClr val="dk1"/>
+            </a:effectRef>
+            <a:fontRef idx="minor">
+              <a:schemeClr val="tx1"/>
+            </a:fontRef>
+          </p:style>
+        </p:cxnSp>
+      </p:grpSp>
+      <mc:AlternateContent xmlns:mc="http://schemas.openxmlformats.org/markup-compatibility/2006">
+        <mc:Choice xmlns:a14="http://schemas.microsoft.com/office/drawing/2010/main" Requires="a14">
+          <p:sp>
+            <p:nvSpPr>
+              <p:cNvPr id="44" name="Textfeld 43">
+                <a:extLst>
+                  <a:ext uri="{FF2B5EF4-FFF2-40B4-BE49-F238E27FC236}">
+                    <a16:creationId xmlns:a16="http://schemas.microsoft.com/office/drawing/2014/main" id="{56DC28F2-AC87-4C05-9D9F-DCA60C6E4129}"/>
+                  </a:ext>
+                </a:extLst>
+              </p:cNvPr>
+              <p:cNvSpPr txBox="1"/>
+              <p:nvPr/>
+            </p:nvSpPr>
+            <p:spPr>
+              <a:xfrm>
+                <a:off x="10160730" y="4594643"/>
+                <a:ext cx="1345480" cy="497187"/>
+              </a:xfrm>
+              <a:prstGeom prst="rect">
+                <a:avLst/>
+              </a:prstGeom>
+              <a:noFill/>
+            </p:spPr>
+            <p:txBody>
+              <a:bodyPr wrap="square">
+                <a:spAutoFit/>
+              </a:bodyPr>
+              <a:lstStyle/>
+              <a:p>
+                <a:r>
+                  <a:rPr kumimoji="0" lang="de-DE" altLang="de-DE" b="0" i="0" u="none" strike="noStrike" cap="none" normalizeH="0" baseline="0" dirty="0">
+                    <a:ln>
+                      <a:noFill/>
+                    </a:ln>
+                    <a:solidFill>
+                      <a:schemeClr val="tx1"/>
+                    </a:solidFill>
+                    <a:effectLst/>
+                    <a:ea typeface="Times New Roman" panose="02020603050405020304" pitchFamily="18" charset="0"/>
+                    <a:cs typeface="Arial" panose="020B0604020202020204" pitchFamily="34" charset="0"/>
+                  </a:rPr>
+                  <a:t>= 0,06 </a:t>
+                </a:r>
+                <a14:m>
+                  <m:oMath xmlns:m="http://schemas.openxmlformats.org/officeDocument/2006/math">
+                    <m:f>
+                      <m:fPr>
+                        <m:ctrlPr>
+                          <a:rPr lang="de-DE" sz="1800" i="1" smtClean="0">
+                            <a:effectLst/>
+                            <a:latin typeface="Cambria Math" panose="02040503050406030204" pitchFamily="18" charset="0"/>
+                          </a:rPr>
+                        </m:ctrlPr>
+                      </m:fPr>
+                      <m:num>
+                        <m:r>
+                          <m:rPr>
+                            <m:sty m:val="p"/>
+                          </m:rPr>
+                          <a:rPr lang="de-DE" sz="1800" b="0" i="0" smtClean="0">
+                            <a:effectLst/>
+                            <a:latin typeface="Cambria Math" panose="02040503050406030204" pitchFamily="18" charset="0"/>
+                          </a:rPr>
+                          <m:t>mol</m:t>
+                        </m:r>
+                      </m:num>
+                      <m:den>
+                        <m:r>
+                          <m:rPr>
+                            <m:sty m:val="p"/>
+                          </m:rPr>
+                          <a:rPr lang="de-DE" sz="1800" b="0" i="0" smtClean="0">
+                            <a:effectLst/>
+                            <a:latin typeface="Cambria Math" panose="02040503050406030204" pitchFamily="18" charset="0"/>
+                          </a:rPr>
+                          <m:t>l</m:t>
+                        </m:r>
+                      </m:den>
+                    </m:f>
+                    <m:r>
+                      <a:rPr lang="de-DE" sz="1800" b="0" i="1" smtClean="0">
+                        <a:effectLst/>
+                        <a:latin typeface="Cambria Math" panose="02040503050406030204" pitchFamily="18" charset="0"/>
+                      </a:rPr>
+                      <m:t> </m:t>
+                    </m:r>
+                  </m:oMath>
+                </a14:m>
+                <a:endParaRPr lang="de-DE" dirty="0"/>
+              </a:p>
+            </p:txBody>
+          </p:sp>
+        </mc:Choice>
+        <mc:Fallback>
+          <p:sp>
+            <p:nvSpPr>
+              <p:cNvPr id="44" name="Textfeld 43">
+                <a:extLst>
+                  <a:ext uri="{FF2B5EF4-FFF2-40B4-BE49-F238E27FC236}">
+                    <a16:creationId xmlns:a16="http://schemas.microsoft.com/office/drawing/2014/main" id="{56DC28F2-AC87-4C05-9D9F-DCA60C6E4129}"/>
+                  </a:ext>
+                </a:extLst>
+              </p:cNvPr>
+              <p:cNvSpPr txBox="1">
+                <a:spLocks noRot="1" noChangeAspect="1" noMove="1" noResize="1" noEditPoints="1" noAdjustHandles="1" noChangeArrowheads="1" noChangeShapeType="1" noTextEdit="1"/>
+              </p:cNvSpPr>
+              <p:nvPr/>
+            </p:nvSpPr>
+            <p:spPr>
+              <a:xfrm>
+                <a:off x="10160730" y="4594643"/>
+                <a:ext cx="1345480" cy="497187"/>
+              </a:xfrm>
+              <a:prstGeom prst="rect">
+                <a:avLst/>
+              </a:prstGeom>
+              <a:blipFill>
+                <a:blip r:embed="rId5"/>
+                <a:stretch>
+                  <a:fillRect l="-4072" b="-8642"/>
+                </a:stretch>
+              </a:blipFill>
+            </p:spPr>
+            <p:txBody>
+              <a:bodyPr/>
+              <a:lstStyle/>
+              <a:p>
+                <a:r>
+                  <a:rPr lang="de-DE">
+                    <a:noFill/>
+                  </a:rPr>
+                  <a:t> </a:t>
+                </a:r>
+              </a:p>
+            </p:txBody>
+          </p:sp>
+        </mc:Fallback>
+      </mc:AlternateContent>
+      <mc:AlternateContent xmlns:mc="http://schemas.openxmlformats.org/markup-compatibility/2006">
+        <mc:Choice xmlns:a14="http://schemas.microsoft.com/office/drawing/2010/main" Requires="a14">
+          <p:sp>
+            <p:nvSpPr>
+              <p:cNvPr id="45" name="Textfeld 44">
+                <a:extLst>
+                  <a:ext uri="{FF2B5EF4-FFF2-40B4-BE49-F238E27FC236}">
+                    <a16:creationId xmlns:a16="http://schemas.microsoft.com/office/drawing/2014/main" id="{DE454539-D280-4ADD-A776-E06EB84A1DDB}"/>
+                  </a:ext>
+                </a:extLst>
+              </p:cNvPr>
+              <p:cNvSpPr txBox="1"/>
+              <p:nvPr/>
+            </p:nvSpPr>
+            <p:spPr>
+              <a:xfrm>
+                <a:off x="975359" y="5795937"/>
+                <a:ext cx="8985070" cy="497187"/>
+              </a:xfrm>
+              <a:prstGeom prst="rect">
+                <a:avLst/>
+              </a:prstGeom>
+              <a:noFill/>
+            </p:spPr>
+            <p:txBody>
+              <a:bodyPr wrap="square" rtlCol="0">
+                <a:spAutoFit/>
+              </a:bodyPr>
+              <a:lstStyle/>
+              <a:p>
+                <a:r>
+                  <a:rPr lang="de-DE" dirty="0"/>
+                  <a:t>Ergebnis: Die Konzentration der Salzsäurelösung beträgt 0,06 </a:t>
+                </a:r>
+                <a14:m>
+                  <m:oMath xmlns:m="http://schemas.openxmlformats.org/officeDocument/2006/math">
+                    <m:f>
+                      <m:fPr>
+                        <m:ctrlPr>
+                          <a:rPr lang="de-DE" sz="1800" i="1" smtClean="0">
+                            <a:effectLst/>
+                            <a:latin typeface="Cambria Math" panose="02040503050406030204" pitchFamily="18" charset="0"/>
+                          </a:rPr>
+                        </m:ctrlPr>
+                      </m:fPr>
+                      <m:num>
+                        <m:r>
+                          <m:rPr>
+                            <m:sty m:val="p"/>
+                          </m:rPr>
+                          <a:rPr lang="de-DE" sz="1800" b="0" i="0" smtClean="0">
+                            <a:effectLst/>
+                            <a:latin typeface="Cambria Math" panose="02040503050406030204" pitchFamily="18" charset="0"/>
+                          </a:rPr>
+                          <m:t>mol</m:t>
+                        </m:r>
+                      </m:num>
+                      <m:den>
+                        <m:r>
+                          <m:rPr>
+                            <m:sty m:val="p"/>
+                          </m:rPr>
+                          <a:rPr lang="de-DE" sz="1800" b="0" i="0" smtClean="0">
+                            <a:effectLst/>
+                            <a:latin typeface="Cambria Math" panose="02040503050406030204" pitchFamily="18" charset="0"/>
+                          </a:rPr>
+                          <m:t>l</m:t>
+                        </m:r>
+                      </m:den>
+                    </m:f>
+                    <m:r>
+                      <a:rPr lang="de-DE" sz="1800" b="0" i="1" smtClean="0">
+                        <a:effectLst/>
+                        <a:latin typeface="Cambria Math" panose="02040503050406030204" pitchFamily="18" charset="0"/>
+                      </a:rPr>
+                      <m:t> </m:t>
+                    </m:r>
+                  </m:oMath>
+                </a14:m>
+                <a:endParaRPr lang="de-DE" dirty="0"/>
+              </a:p>
+            </p:txBody>
+          </p:sp>
+        </mc:Choice>
+        <mc:Fallback>
+          <p:sp>
+            <p:nvSpPr>
+              <p:cNvPr id="45" name="Textfeld 44">
+                <a:extLst>
+                  <a:ext uri="{FF2B5EF4-FFF2-40B4-BE49-F238E27FC236}">
+                    <a16:creationId xmlns:a16="http://schemas.microsoft.com/office/drawing/2014/main" id="{DE454539-D280-4ADD-A776-E06EB84A1DDB}"/>
+                  </a:ext>
+                </a:extLst>
+              </p:cNvPr>
+              <p:cNvSpPr txBox="1">
+                <a:spLocks noRot="1" noChangeAspect="1" noMove="1" noResize="1" noEditPoints="1" noAdjustHandles="1" noChangeArrowheads="1" noChangeShapeType="1" noTextEdit="1"/>
+              </p:cNvSpPr>
+              <p:nvPr/>
+            </p:nvSpPr>
+            <p:spPr>
+              <a:xfrm>
+                <a:off x="975359" y="5795937"/>
+                <a:ext cx="8985070" cy="497187"/>
+              </a:xfrm>
+              <a:prstGeom prst="rect">
+                <a:avLst/>
+              </a:prstGeom>
+              <a:blipFill>
+                <a:blip r:embed="rId6"/>
+                <a:stretch>
+                  <a:fillRect l="-543" b="-8642"/>
+                </a:stretch>
+              </a:blipFill>
+            </p:spPr>
+            <p:txBody>
+              <a:bodyPr/>
+              <a:lstStyle/>
+              <a:p>
+                <a:r>
+                  <a:rPr lang="de-DE">
+                    <a:noFill/>
+                  </a:rPr>
+                  <a:t> </a:t>
+                </a:r>
+              </a:p>
+            </p:txBody>
+          </p:sp>
+        </mc:Fallback>
+      </mc:AlternateContent>
+    </p:spTree>
+    <p:extLst>
+      <p:ext uri="{BB962C8B-B14F-4D97-AF65-F5344CB8AC3E}">
+        <p14:creationId xmlns:p14="http://schemas.microsoft.com/office/powerpoint/2010/main" val="175879687"/>
+      </p:ext>
+    </p:extLst>
+  </p:cSld>
+  <p:clrMapOvr>
+    <a:masterClrMapping/>
+  </p:clrMapOvr>
+  <p:timing>
+    <p:tnLst>
+      <p:par>
+        <p:cTn id="1" dur="indefinite" restart="never" nodeType="tmRoot">
+          <p:childTnLst>
+            <p:seq concurrent="1" nextAc="seek">
+              <p:cTn id="2" dur="indefinite" nodeType="mainSeq">
+                <p:childTnLst>
+                  <p:par>
+                    <p:cTn id="3" fill="hold">
+                      <p:stCondLst>
+                        <p:cond delay="indefinite"/>
+                      </p:stCondLst>
+                      <p:childTnLst>
+                        <p:par>
+                          <p:cTn id="4" fill="hold">
+                            <p:stCondLst>
+                              <p:cond delay="0"/>
+                            </p:stCondLst>
+                            <p:childTnLst>
+                              <p:par>
+                                <p:cTn id="5" presetID="1" presetClass="entr" presetSubtype="0" fill="hold" grpId="0" nodeType="clickEffect">
+                                  <p:stCondLst>
+                                    <p:cond delay="0"/>
+                                  </p:stCondLst>
+                                  <p:childTnLst>
+                                    <p:set>
+                                      <p:cBhvr>
+                                        <p:cTn id="6" dur="1" fill="hold">
+                                          <p:stCondLst>
+                                            <p:cond delay="0"/>
+                                          </p:stCondLst>
+                                        </p:cTn>
+                                        <p:tgtEl>
+                                          <p:spTgt spid="6"/>
+                                        </p:tgtEl>
+                                        <p:attrNameLst>
+                                          <p:attrName>style.visibility</p:attrName>
+                                        </p:attrNameLst>
+                                      </p:cBhvr>
+                                      <p:to>
+                                        <p:strVal val="visible"/>
+                                      </p:to>
+                                    </p:set>
+                                  </p:childTnLst>
+                                </p:cTn>
+                              </p:par>
+                            </p:childTnLst>
+                          </p:cTn>
+                        </p:par>
+                      </p:childTnLst>
+                    </p:cTn>
+                  </p:par>
+                </p:childTnLst>
+              </p:cTn>
+              <p:prevCondLst>
+                <p:cond evt="onPrev" delay="0">
+                  <p:tgtEl>
+                    <p:sldTgt/>
+                  </p:tgtEl>
+                </p:cond>
+              </p:prevCondLst>
+              <p:nextCondLst>
+                <p:cond evt="onNext" delay="0">
+                  <p:tgtEl>
+                    <p:sldTgt/>
+                  </p:tgtEl>
+                </p:cond>
+              </p:nextCondLst>
+            </p:seq>
+          </p:childTnLst>
+        </p:cTn>
+      </p:par>
+    </p:tnLst>
+    <p:bldLst>
+      <p:bldP spid="6" grpId="0"/>
+    </p:bldLst>
+  </p:timing>
+</p:sld>
+</file>
+
 <file path=ppt/theme/theme1.xml><?xml version="1.0" encoding="utf-8"?>
 <a:theme xmlns:a="http://schemas.openxmlformats.org/drawingml/2006/main" name="Office">
   <a:themeElements>
